--- a/ppt/Pomnenje s kvantnimi celičnimi avtomati.pptx
+++ b/ppt/Pomnenje s kvantnimi celičnimi avtomati.pptx
@@ -113,6 +113,11 @@
       </a:defRPr>
     </a:lvl9pPr>
   </p:defaultTextStyle>
+  <p:extLst>
+    <p:ext uri="{EFAFB233-063F-42B5-8137-9DF3F51BA10A}">
+      <p15:sldGuideLst xmlns:p15="http://schemas.microsoft.com/office/powerpoint/2012/main"/>
+    </p:ext>
+  </p:extLst>
 </p:presentation>
 </file>
 
@@ -6407,13 +6412,243 @@
         </p:nvSpPr>
         <p:spPr/>
         <p:txBody>
-          <a:bodyPr/>
-          <a:lstStyle/>
-          <a:p>
-            <a:r>
-              <a:rPr lang="sl-SI" dirty="0"/>
-              <a:t>??</a:t>
-            </a:r>
+          <a:bodyPr>
+            <a:normAutofit fontScale="85000" lnSpcReduction="10000"/>
+          </a:bodyPr>
+          <a:lstStyle/>
+          <a:p>
+            <a:r>
+              <a:rPr lang="en-US" u="sng" dirty="0" err="1"/>
+              <a:t>Implementacije</a:t>
+            </a:r>
+            <a:r>
+              <a:rPr lang="en-US" dirty="0"/>
+              <a:t> </a:t>
+            </a:r>
+            <a:r>
+              <a:rPr lang="en-US" u="sng" dirty="0" err="1"/>
+              <a:t>delujejo</a:t>
+            </a:r>
+            <a:r>
+              <a:rPr lang="en-US" dirty="0"/>
+              <a:t> </a:t>
+            </a:r>
+            <a:r>
+              <a:rPr lang="en-US" u="sng" dirty="0" err="1"/>
+              <a:t>pravilno</a:t>
+            </a:r>
+            <a:r>
+              <a:rPr lang="en-US" dirty="0"/>
+              <a:t>. </a:t>
+            </a:r>
+          </a:p>
+          <a:p>
+            <a:r>
+              <a:rPr lang="en-US" dirty="0"/>
+              <a:t>1. </a:t>
+            </a:r>
+            <a:r>
+              <a:rPr lang="en-US" dirty="0" err="1"/>
+              <a:t>vir</a:t>
+            </a:r>
+            <a:r>
+              <a:rPr lang="en-US" dirty="0"/>
+              <a:t>: 1 </a:t>
+            </a:r>
+            <a:r>
+              <a:rPr lang="en-US" dirty="0" err="1"/>
+              <a:t>urin</a:t>
+            </a:r>
+            <a:r>
+              <a:rPr lang="en-US" dirty="0"/>
+              <a:t> </a:t>
+            </a:r>
+            <a:r>
+              <a:rPr lang="en-US" dirty="0" err="1"/>
+              <a:t>cikel</a:t>
+            </a:r>
+            <a:r>
+              <a:rPr lang="en-US" dirty="0"/>
+              <a:t> (4 faze)</a:t>
+            </a:r>
+          </a:p>
+          <a:p>
+            <a:pPr lvl="1"/>
+            <a:r>
+              <a:rPr lang="en-US" dirty="0"/>
+              <a:t>Max 1,25 urine </a:t>
+            </a:r>
+            <a:r>
+              <a:rPr lang="en-US" dirty="0" err="1"/>
+              <a:t>periode</a:t>
+            </a:r>
+            <a:endParaRPr lang="en-US" dirty="0"/>
+          </a:p>
+          <a:p>
+            <a:pPr lvl="1"/>
+            <a:r>
+              <a:rPr lang="en-US" dirty="0" err="1"/>
+              <a:t>Preproste</a:t>
+            </a:r>
+            <a:r>
+              <a:rPr lang="en-US" dirty="0"/>
+              <a:t> urine cone</a:t>
+            </a:r>
+          </a:p>
+          <a:p>
+            <a:pPr lvl="1"/>
+            <a:r>
+              <a:rPr lang="en-US" dirty="0" err="1"/>
+              <a:t>Nestandardni</a:t>
+            </a:r>
+            <a:r>
+              <a:rPr lang="en-US" dirty="0"/>
+              <a:t> </a:t>
+            </a:r>
+            <a:r>
+              <a:rPr lang="en-US" dirty="0" err="1"/>
+              <a:t>zamiki</a:t>
+            </a:r>
+            <a:r>
+              <a:rPr lang="en-US" dirty="0"/>
+              <a:t> in </a:t>
+            </a:r>
+            <a:r>
+              <a:rPr lang="en-US" dirty="0" err="1"/>
+              <a:t>zasukane</a:t>
+            </a:r>
+            <a:r>
+              <a:rPr lang="en-US" dirty="0"/>
+              <a:t> </a:t>
+            </a:r>
+            <a:r>
+              <a:rPr lang="en-US" dirty="0" err="1"/>
+              <a:t>celice</a:t>
+            </a:r>
+            <a:endParaRPr lang="en-US" dirty="0"/>
+          </a:p>
+          <a:p>
+            <a:r>
+              <a:rPr lang="en-US" dirty="0"/>
+              <a:t>2. </a:t>
+            </a:r>
+            <a:r>
+              <a:rPr lang="en-US" dirty="0" err="1"/>
+              <a:t>vir</a:t>
+            </a:r>
+            <a:r>
+              <a:rPr lang="en-US" dirty="0"/>
+              <a:t>: 5-6 </a:t>
+            </a:r>
+            <a:r>
+              <a:rPr lang="en-US" dirty="0" err="1"/>
+              <a:t>urinih</a:t>
+            </a:r>
+            <a:r>
+              <a:rPr lang="en-US" dirty="0"/>
+              <a:t> </a:t>
+            </a:r>
+            <a:r>
+              <a:rPr lang="en-US" dirty="0" err="1"/>
+              <a:t>faz</a:t>
+            </a:r>
+            <a:r>
+              <a:rPr lang="en-US" dirty="0"/>
+              <a:t>, </a:t>
+            </a:r>
+            <a:r>
+              <a:rPr lang="en-US" dirty="0" err="1"/>
+              <a:t>manj</a:t>
+            </a:r>
+            <a:r>
+              <a:rPr lang="en-US" dirty="0"/>
+              <a:t> </a:t>
+            </a:r>
+            <a:r>
+              <a:rPr lang="en-US" dirty="0" err="1"/>
+              <a:t>prostora</a:t>
+            </a:r>
+            <a:endParaRPr lang="en-US" dirty="0"/>
+          </a:p>
+          <a:p>
+            <a:pPr lvl="1"/>
+            <a:r>
+              <a:rPr lang="en-US" dirty="0"/>
+              <a:t>Max. 1,5 urine </a:t>
+            </a:r>
+            <a:r>
+              <a:rPr lang="en-US" dirty="0" err="1"/>
+              <a:t>periode</a:t>
+            </a:r>
+            <a:endParaRPr lang="en-US" dirty="0"/>
+          </a:p>
+          <a:p>
+            <a:pPr lvl="1"/>
+            <a:r>
+              <a:rPr lang="en-US" dirty="0" err="1"/>
+              <a:t>Manjša</a:t>
+            </a:r>
+            <a:r>
+              <a:rPr lang="en-US" dirty="0"/>
+              <a:t> </a:t>
+            </a:r>
+            <a:r>
+              <a:rPr lang="en-US" dirty="0" err="1"/>
+              <a:t>površina</a:t>
+            </a:r>
+            <a:endParaRPr lang="en-US" dirty="0"/>
+          </a:p>
+          <a:p>
+            <a:pPr lvl="1"/>
+            <a:r>
+              <a:rPr lang="en-US" dirty="0" err="1"/>
+              <a:t>Kompleksnejše</a:t>
+            </a:r>
+            <a:r>
+              <a:rPr lang="en-US" dirty="0"/>
+              <a:t> </a:t>
+            </a:r>
+            <a:r>
+              <a:rPr lang="en-US" dirty="0" err="1"/>
+              <a:t>oblike</a:t>
+            </a:r>
+            <a:r>
+              <a:rPr lang="en-US" dirty="0"/>
+              <a:t> </a:t>
+            </a:r>
+            <a:r>
+              <a:rPr lang="en-US" dirty="0" err="1"/>
+              <a:t>urinih</a:t>
+            </a:r>
+            <a:r>
+              <a:rPr lang="en-US"/>
+              <a:t> con</a:t>
+            </a:r>
+            <a:endParaRPr lang="en-US" dirty="0"/>
+          </a:p>
+          <a:p>
+            <a:pPr lvl="1"/>
+            <a:r>
+              <a:rPr lang="en-US" dirty="0" err="1"/>
+              <a:t>Podobne</a:t>
+            </a:r>
+            <a:r>
+              <a:rPr lang="en-US" dirty="0"/>
+              <a:t> structure za </a:t>
+            </a:r>
+            <a:r>
+              <a:rPr lang="en-US" dirty="0" err="1"/>
+              <a:t>vse</a:t>
+            </a:r>
+            <a:r>
+              <a:rPr lang="en-US" dirty="0"/>
+              <a:t> </a:t>
+            </a:r>
+            <a:r>
+              <a:rPr lang="en-US" dirty="0" err="1"/>
+              <a:t>celice</a:t>
+            </a:r>
+            <a:endParaRPr lang="en-US" dirty="0"/>
           </a:p>
         </p:txBody>
       </p:sp>
@@ -6584,7 +6819,7 @@
           <a:graphicData uri="http://schemas.openxmlformats.org/presentationml/2006/ole">
             <mc:AlternateContent xmlns:mc="http://schemas.openxmlformats.org/markup-compatibility/2006">
               <mc:Choice xmlns:v="urn:schemas-microsoft-com:vml" Requires="v">
-                <p:oleObj spid="_x0000_s1028" name="Acrobat Document" r:id="rId3" imgW="5400359" imgH="5400587" progId="AcroExch.Document.DC">
+                <p:oleObj spid="_x0000_s1034" name="Acrobat Document" r:id="rId3" imgW="5400359" imgH="5400587" progId="AcroExch.Document.DC">
                   <p:embed/>
                 </p:oleObj>
               </mc:Choice>
@@ -7174,8 +7409,28 @@
           </a:p>
           <a:p>
             <a:r>
-              <a:rPr lang="sl-SI" dirty="0"/>
-              <a:t>1,25 urine periode zamika</a:t>
+              <a:rPr lang="en-US" dirty="0"/>
+              <a:t>1,25</a:t>
+            </a:r>
+            <a:r>
+              <a:rPr lang="sl-SI" dirty="0"/>
+              <a:t> urin</a:t>
+            </a:r>
+            <a:r>
+              <a:rPr lang="en-US" dirty="0"/>
+              <a:t>e</a:t>
+            </a:r>
+            <a:r>
+              <a:rPr lang="sl-SI" dirty="0"/>
+              <a:t> period</a:t>
+            </a:r>
+            <a:r>
+              <a:rPr lang="en-US" dirty="0"/>
+              <a:t>e </a:t>
+            </a:r>
+            <a:r>
+              <a:rPr lang="sl-SI" dirty="0"/>
+              <a:t>zamika</a:t>
             </a:r>
           </a:p>
           <a:p>
@@ -7254,22 +7509,47 @@
           <a:p>
             <a:r>
               <a:rPr lang="sl-SI" dirty="0"/>
-              <a:t>1 urina perioda zamika</a:t>
-            </a:r>
-          </a:p>
-          <a:p>
-            <a:r>
-              <a:rPr lang="sl-SI" dirty="0"/>
-              <a:t>Nepričakovano obnašanje: d=1, q=1 vrne D</a:t>
-            </a:r>
-            <a:r>
-              <a:rPr lang="sl-SI" baseline="30000" dirty="0"/>
               <a:t>1</a:t>
             </a:r>
             <a:r>
-              <a:rPr lang="sl-SI" dirty="0"/>
-              <a:t>q=0</a:t>
-            </a:r>
+              <a:rPr lang="en-US" dirty="0"/>
+              <a:t> </a:t>
+            </a:r>
+            <a:r>
+              <a:rPr lang="sl-SI" dirty="0"/>
+              <a:t>urin</a:t>
+            </a:r>
+            <a:r>
+              <a:rPr lang="en-US" dirty="0"/>
+              <a:t>a</a:t>
+            </a:r>
+            <a:r>
+              <a:rPr lang="sl-SI" dirty="0"/>
+              <a:t> period</a:t>
+            </a:r>
+            <a:r>
+              <a:rPr lang="en-US" dirty="0"/>
+              <a:t>a</a:t>
+            </a:r>
+            <a:r>
+              <a:rPr lang="sl-SI" dirty="0"/>
+              <a:t> zamika</a:t>
+            </a:r>
+          </a:p>
+          <a:p>
+            <a:r>
+              <a:rPr lang="en-US" dirty="0" err="1"/>
+              <a:t>Pričakovano</a:t>
+            </a:r>
+            <a:r>
+              <a:rPr lang="en-US" dirty="0"/>
+              <a:t> </a:t>
+            </a:r>
+            <a:r>
+              <a:rPr lang="en-US" dirty="0" err="1"/>
+              <a:t>obnašanje</a:t>
+            </a:r>
+            <a:endParaRPr lang="sl-SI" dirty="0"/>
           </a:p>
         </p:txBody>
       </p:sp>
@@ -7477,14 +7757,50 @@
           <a:p>
             <a:r>
               <a:rPr lang="sl-SI" dirty="0"/>
-              <a:t>1,25 urine periode zamika</a:t>
-            </a:r>
-          </a:p>
-          <a:p>
-            <a:r>
-              <a:rPr lang="sl-SI" dirty="0"/>
-              <a:t>??</a:t>
-            </a:r>
+              <a:t>1</a:t>
+            </a:r>
+            <a:r>
+              <a:rPr lang="en-US" dirty="0"/>
+              <a:t>,25</a:t>
+            </a:r>
+            <a:r>
+              <a:rPr lang="sl-SI" dirty="0"/>
+              <a:t> urin</a:t>
+            </a:r>
+            <a:r>
+              <a:rPr lang="en-US" dirty="0"/>
+              <a:t>e</a:t>
+            </a:r>
+            <a:r>
+              <a:rPr lang="sl-SI" dirty="0"/>
+              <a:t> period</a:t>
+            </a:r>
+            <a:r>
+              <a:rPr lang="en-US" dirty="0"/>
+              <a:t>e</a:t>
+            </a:r>
+            <a:r>
+              <a:rPr lang="sl-SI" dirty="0"/>
+              <a:t> zamika</a:t>
+            </a:r>
+          </a:p>
+          <a:p>
+            <a:r>
+              <a:rPr lang="en-US" dirty="0" err="1"/>
+              <a:t>Pričakovano</a:t>
+            </a:r>
+            <a:r>
+              <a:rPr lang="en-US" dirty="0"/>
+              <a:t> </a:t>
+            </a:r>
+            <a:r>
+              <a:rPr lang="en-US" dirty="0" err="1"/>
+              <a:t>obnašanje</a:t>
+            </a:r>
+            <a:endParaRPr lang="sl-SI" dirty="0"/>
+          </a:p>
+          <a:p>
+            <a:endParaRPr lang="sl-SI" dirty="0"/>
           </a:p>
         </p:txBody>
       </p:sp>
@@ -7561,9 +7877,21 @@
           </a:p>
           <a:p>
             <a:r>
-              <a:rPr lang="sl-SI" dirty="0"/>
-              <a:t>??</a:t>
-            </a:r>
+              <a:rPr lang="en-US" dirty="0" err="1"/>
+              <a:t>Pričakovano</a:t>
+            </a:r>
+            <a:r>
+              <a:rPr lang="en-US" dirty="0"/>
+              <a:t> </a:t>
+            </a:r>
+            <a:r>
+              <a:rPr lang="en-US" dirty="0" err="1"/>
+              <a:t>obnašanje</a:t>
+            </a:r>
+            <a:endParaRPr lang="sl-SI" dirty="0"/>
+          </a:p>
+          <a:p>
+            <a:endParaRPr lang="sl-SI" dirty="0"/>
           </a:p>
         </p:txBody>
       </p:sp>
@@ -7776,9 +8104,21 @@
           </a:p>
           <a:p>
             <a:r>
-              <a:rPr lang="sl-SI" dirty="0"/>
-              <a:t>??</a:t>
-            </a:r>
+              <a:rPr lang="en-US" dirty="0" err="1"/>
+              <a:t>Pričakovano</a:t>
+            </a:r>
+            <a:r>
+              <a:rPr lang="en-US" dirty="0"/>
+              <a:t> </a:t>
+            </a:r>
+            <a:r>
+              <a:rPr lang="en-US" dirty="0" err="1"/>
+              <a:t>obnašanje</a:t>
+            </a:r>
+            <a:endParaRPr lang="sl-SI" dirty="0"/>
+          </a:p>
+          <a:p>
+            <a:endParaRPr lang="sl-SI" dirty="0"/>
           </a:p>
         </p:txBody>
       </p:sp>
@@ -7860,9 +8200,21 @@
           </a:p>
           <a:p>
             <a:r>
-              <a:rPr lang="sl-SI" dirty="0"/>
-              <a:t>??</a:t>
-            </a:r>
+              <a:rPr lang="en-US" dirty="0" err="1"/>
+              <a:t>Pričakovano</a:t>
+            </a:r>
+            <a:r>
+              <a:rPr lang="en-US" dirty="0"/>
+              <a:t> </a:t>
+            </a:r>
+            <a:r>
+              <a:rPr lang="en-US" dirty="0" err="1"/>
+              <a:t>obnašanje</a:t>
+            </a:r>
+            <a:endParaRPr lang="sl-SI" dirty="0"/>
+          </a:p>
+          <a:p>
+            <a:endParaRPr lang="sl-SI" dirty="0"/>
           </a:p>
         </p:txBody>
       </p:sp>
@@ -8075,9 +8427,21 @@
           </a:p>
           <a:p>
             <a:r>
-              <a:rPr lang="sl-SI" dirty="0"/>
-              <a:t>??</a:t>
-            </a:r>
+              <a:rPr lang="en-US" dirty="0" err="1"/>
+              <a:t>Pričakovano</a:t>
+            </a:r>
+            <a:r>
+              <a:rPr lang="en-US" dirty="0"/>
+              <a:t> </a:t>
+            </a:r>
+            <a:r>
+              <a:rPr lang="en-US" dirty="0" err="1"/>
+              <a:t>obnašanje</a:t>
+            </a:r>
+            <a:endParaRPr lang="sl-SI" dirty="0"/>
+          </a:p>
+          <a:p>
+            <a:endParaRPr lang="sl-SI" dirty="0"/>
           </a:p>
         </p:txBody>
       </p:sp>
@@ -8159,9 +8523,21 @@
           </a:p>
           <a:p>
             <a:r>
-              <a:rPr lang="sl-SI" dirty="0"/>
-              <a:t>??</a:t>
-            </a:r>
+              <a:rPr lang="en-US" dirty="0" err="1"/>
+              <a:t>Pričakovano</a:t>
+            </a:r>
+            <a:r>
+              <a:rPr lang="en-US" dirty="0"/>
+              <a:t> </a:t>
+            </a:r>
+            <a:r>
+              <a:rPr lang="en-US" dirty="0" err="1"/>
+              <a:t>obnašanje</a:t>
+            </a:r>
+            <a:endParaRPr lang="sl-SI" dirty="0"/>
+          </a:p>
+          <a:p>
+            <a:endParaRPr lang="sl-SI" dirty="0"/>
           </a:p>
         </p:txBody>
       </p:sp>

--- a/ppt/Pomnenje s kvantnimi celičnimi avtomati.pptx
+++ b/ppt/Pomnenje s kvantnimi celičnimi avtomati.pptx
@@ -14,7 +14,7 @@
     <p:sldId id="263" r:id="rId8"/>
     <p:sldId id="268" r:id="rId9"/>
     <p:sldId id="267" r:id="rId10"/>
-    <p:sldId id="266" r:id="rId11"/>
+    <p:sldId id="269" r:id="rId11"/>
   </p:sldIdLst>
   <p:sldSz cx="12192000" cy="6858000"/>
   <p:notesSz cx="6858000" cy="9144000"/>
@@ -294,7 +294,7 @@
               <a:rPr lang="sl-SI" smtClean="0"/>
               <a:t>24. 11. 2019</a:t>
             </a:fld>
-            <a:endParaRPr lang="sl-SI"/>
+            <a:endParaRPr lang="sl-SI" dirty="0"/>
           </a:p>
         </p:txBody>
       </p:sp>
@@ -313,7 +313,7 @@
           <a:bodyPr/>
           <a:lstStyle/>
           <a:p>
-            <a:endParaRPr lang="sl-SI"/>
+            <a:endParaRPr lang="sl-SI" dirty="0"/>
           </a:p>
         </p:txBody>
       </p:sp>
@@ -336,7 +336,7 @@
               <a:rPr lang="sl-SI" smtClean="0"/>
               <a:t>‹#›</a:t>
             </a:fld>
-            <a:endParaRPr lang="sl-SI"/>
+            <a:endParaRPr lang="sl-SI" dirty="0"/>
           </a:p>
         </p:txBody>
       </p:sp>
@@ -518,7 +518,7 @@
           </a:lstStyle>
           <a:p>
             <a:r>
-              <a:rPr lang="sl-SI"/>
+              <a:rPr lang="sl-SI" dirty="0"/>
               <a:t>Kliknite ikono, če želite dodati sliko</a:t>
             </a:r>
             <a:endParaRPr lang="en-US" dirty="0"/>
@@ -609,7 +609,7 @@
               <a:rPr lang="sl-SI" smtClean="0"/>
               <a:t>24. 11. 2019</a:t>
             </a:fld>
-            <a:endParaRPr lang="sl-SI"/>
+            <a:endParaRPr lang="sl-SI" dirty="0"/>
           </a:p>
         </p:txBody>
       </p:sp>
@@ -628,7 +628,7 @@
           <a:bodyPr/>
           <a:lstStyle/>
           <a:p>
-            <a:endParaRPr lang="sl-SI"/>
+            <a:endParaRPr lang="sl-SI" dirty="0"/>
           </a:p>
         </p:txBody>
       </p:sp>
@@ -651,7 +651,7 @@
               <a:rPr lang="sl-SI" smtClean="0"/>
               <a:t>‹#›</a:t>
             </a:fld>
-            <a:endParaRPr lang="sl-SI"/>
+            <a:endParaRPr lang="sl-SI" dirty="0"/>
           </a:p>
         </p:txBody>
       </p:sp>
@@ -831,7 +831,7 @@
               <a:rPr lang="sl-SI" smtClean="0"/>
               <a:t>24. 11. 2019</a:t>
             </a:fld>
-            <a:endParaRPr lang="sl-SI"/>
+            <a:endParaRPr lang="sl-SI" dirty="0"/>
           </a:p>
         </p:txBody>
       </p:sp>
@@ -850,7 +850,7 @@
           <a:bodyPr/>
           <a:lstStyle/>
           <a:p>
-            <a:endParaRPr lang="sl-SI"/>
+            <a:endParaRPr lang="sl-SI" dirty="0"/>
           </a:p>
         </p:txBody>
       </p:sp>
@@ -873,7 +873,7 @@
               <a:rPr lang="sl-SI" smtClean="0"/>
               <a:t>‹#›</a:t>
             </a:fld>
-            <a:endParaRPr lang="sl-SI"/>
+            <a:endParaRPr lang="sl-SI" dirty="0"/>
           </a:p>
         </p:txBody>
       </p:sp>
@@ -1122,7 +1122,7 @@
               <a:rPr lang="sl-SI" smtClean="0"/>
               <a:t>24. 11. 2019</a:t>
             </a:fld>
-            <a:endParaRPr lang="sl-SI"/>
+            <a:endParaRPr lang="sl-SI" dirty="0"/>
           </a:p>
         </p:txBody>
       </p:sp>
@@ -1141,7 +1141,7 @@
           <a:bodyPr/>
           <a:lstStyle/>
           <a:p>
-            <a:endParaRPr lang="sl-SI"/>
+            <a:endParaRPr lang="sl-SI" dirty="0"/>
           </a:p>
         </p:txBody>
       </p:sp>
@@ -1164,7 +1164,7 @@
               <a:rPr lang="sl-SI" smtClean="0"/>
               <a:t>‹#›</a:t>
             </a:fld>
-            <a:endParaRPr lang="sl-SI"/>
+            <a:endParaRPr lang="sl-SI" dirty="0"/>
           </a:p>
         </p:txBody>
       </p:sp>
@@ -1576,7 +1576,7 @@
               <a:rPr lang="sl-SI" smtClean="0"/>
               <a:t>24. 11. 2019</a:t>
             </a:fld>
-            <a:endParaRPr lang="sl-SI"/>
+            <a:endParaRPr lang="sl-SI" dirty="0"/>
           </a:p>
         </p:txBody>
       </p:sp>
@@ -1595,7 +1595,7 @@
           <a:bodyPr/>
           <a:lstStyle/>
           <a:p>
-            <a:endParaRPr lang="sl-SI"/>
+            <a:endParaRPr lang="sl-SI" dirty="0"/>
           </a:p>
         </p:txBody>
       </p:sp>
@@ -1618,7 +1618,7 @@
               <a:rPr lang="sl-SI" smtClean="0"/>
               <a:t>‹#›</a:t>
             </a:fld>
-            <a:endParaRPr lang="sl-SI"/>
+            <a:endParaRPr lang="sl-SI" dirty="0"/>
           </a:p>
         </p:txBody>
       </p:sp>
@@ -2152,7 +2152,7 @@
               <a:rPr lang="sl-SI" smtClean="0"/>
               <a:t>24. 11. 2019</a:t>
             </a:fld>
-            <a:endParaRPr lang="sl-SI"/>
+            <a:endParaRPr lang="sl-SI" dirty="0"/>
           </a:p>
         </p:txBody>
       </p:sp>
@@ -2171,7 +2171,7 @@
           <a:bodyPr/>
           <a:lstStyle/>
           <a:p>
-            <a:endParaRPr lang="sl-SI"/>
+            <a:endParaRPr lang="sl-SI" dirty="0"/>
           </a:p>
         </p:txBody>
       </p:sp>
@@ -2194,7 +2194,7 @@
               <a:rPr lang="sl-SI" smtClean="0"/>
               <a:t>‹#›</a:t>
             </a:fld>
-            <a:endParaRPr lang="sl-SI"/>
+            <a:endParaRPr lang="sl-SI" dirty="0"/>
           </a:p>
         </p:txBody>
       </p:sp>
@@ -2448,7 +2448,7 @@
           </a:lstStyle>
           <a:p>
             <a:r>
-              <a:rPr lang="sl-SI"/>
+              <a:rPr lang="sl-SI" dirty="0"/>
               <a:t>Kliknite ikono, če želite dodati sliko</a:t>
             </a:r>
             <a:endParaRPr lang="en-US" dirty="0"/>
@@ -2684,7 +2684,7 @@
           </a:lstStyle>
           <a:p>
             <a:r>
-              <a:rPr lang="sl-SI"/>
+              <a:rPr lang="sl-SI" dirty="0"/>
               <a:t>Kliknite ikono, če želite dodati sliko</a:t>
             </a:r>
             <a:endParaRPr lang="en-US" dirty="0"/>
@@ -2920,7 +2920,7 @@
           </a:lstStyle>
           <a:p>
             <a:r>
-              <a:rPr lang="sl-SI"/>
+              <a:rPr lang="sl-SI" dirty="0"/>
               <a:t>Kliknite ikono, če želite dodati sliko</a:t>
             </a:r>
             <a:endParaRPr lang="en-US" dirty="0"/>
@@ -3013,7 +3013,7 @@
               <a:rPr lang="sl-SI" smtClean="0"/>
               <a:t>24. 11. 2019</a:t>
             </a:fld>
-            <a:endParaRPr lang="sl-SI"/>
+            <a:endParaRPr lang="sl-SI" dirty="0"/>
           </a:p>
         </p:txBody>
       </p:sp>
@@ -3032,7 +3032,7 @@
           <a:bodyPr/>
           <a:lstStyle/>
           <a:p>
-            <a:endParaRPr lang="sl-SI"/>
+            <a:endParaRPr lang="sl-SI" dirty="0"/>
           </a:p>
         </p:txBody>
       </p:sp>
@@ -3055,7 +3055,7 @@
               <a:rPr lang="sl-SI" smtClean="0"/>
               <a:t>‹#›</a:t>
             </a:fld>
-            <a:endParaRPr lang="sl-SI"/>
+            <a:endParaRPr lang="sl-SI" dirty="0"/>
           </a:p>
         </p:txBody>
       </p:sp>
@@ -3218,7 +3218,7 @@
               <a:rPr lang="sl-SI" smtClean="0"/>
               <a:t>24. 11. 2019</a:t>
             </a:fld>
-            <a:endParaRPr lang="sl-SI"/>
+            <a:endParaRPr lang="sl-SI" dirty="0"/>
           </a:p>
         </p:txBody>
       </p:sp>
@@ -3237,7 +3237,7 @@
           <a:bodyPr/>
           <a:lstStyle/>
           <a:p>
-            <a:endParaRPr lang="sl-SI"/>
+            <a:endParaRPr lang="sl-SI" dirty="0"/>
           </a:p>
         </p:txBody>
       </p:sp>
@@ -3260,7 +3260,7 @@
               <a:rPr lang="sl-SI" smtClean="0"/>
               <a:t>‹#›</a:t>
             </a:fld>
-            <a:endParaRPr lang="sl-SI"/>
+            <a:endParaRPr lang="sl-SI" dirty="0"/>
           </a:p>
         </p:txBody>
       </p:sp>
@@ -3432,7 +3432,7 @@
               <a:rPr lang="sl-SI" smtClean="0"/>
               <a:t>24. 11. 2019</a:t>
             </a:fld>
-            <a:endParaRPr lang="sl-SI"/>
+            <a:endParaRPr lang="sl-SI" dirty="0"/>
           </a:p>
         </p:txBody>
       </p:sp>
@@ -3451,7 +3451,7 @@
           <a:bodyPr/>
           <a:lstStyle/>
           <a:p>
-            <a:endParaRPr lang="sl-SI"/>
+            <a:endParaRPr lang="sl-SI" dirty="0"/>
           </a:p>
         </p:txBody>
       </p:sp>
@@ -3474,7 +3474,7 @@
               <a:rPr lang="sl-SI" smtClean="0"/>
               <a:t>‹#›</a:t>
             </a:fld>
-            <a:endParaRPr lang="sl-SI"/>
+            <a:endParaRPr lang="sl-SI" dirty="0"/>
           </a:p>
         </p:txBody>
       </p:sp>
@@ -3602,7 +3602,7 @@
               <a:rPr lang="sl-SI" smtClean="0"/>
               <a:t>24. 11. 2019</a:t>
             </a:fld>
-            <a:endParaRPr lang="sl-SI"/>
+            <a:endParaRPr lang="sl-SI" dirty="0"/>
           </a:p>
         </p:txBody>
       </p:sp>
@@ -3621,7 +3621,7 @@
           <a:bodyPr/>
           <a:lstStyle/>
           <a:p>
-            <a:endParaRPr lang="sl-SI"/>
+            <a:endParaRPr lang="sl-SI" dirty="0"/>
           </a:p>
         </p:txBody>
       </p:sp>
@@ -3644,7 +3644,7 @@
               <a:rPr lang="sl-SI" smtClean="0"/>
               <a:t>‹#›</a:t>
             </a:fld>
-            <a:endParaRPr lang="sl-SI"/>
+            <a:endParaRPr lang="sl-SI" dirty="0"/>
           </a:p>
         </p:txBody>
       </p:sp>
@@ -3807,7 +3807,7 @@
               <a:rPr lang="sl-SI" smtClean="0"/>
               <a:t>24. 11. 2019</a:t>
             </a:fld>
-            <a:endParaRPr lang="sl-SI"/>
+            <a:endParaRPr lang="sl-SI" dirty="0"/>
           </a:p>
         </p:txBody>
       </p:sp>
@@ -3826,7 +3826,7 @@
           <a:bodyPr/>
           <a:lstStyle/>
           <a:p>
-            <a:endParaRPr lang="sl-SI"/>
+            <a:endParaRPr lang="sl-SI" dirty="0"/>
           </a:p>
         </p:txBody>
       </p:sp>
@@ -3849,7 +3849,7 @@
               <a:rPr lang="sl-SI" smtClean="0"/>
               <a:t>‹#›</a:t>
             </a:fld>
-            <a:endParaRPr lang="sl-SI"/>
+            <a:endParaRPr lang="sl-SI" dirty="0"/>
           </a:p>
         </p:txBody>
       </p:sp>
@@ -4087,7 +4087,7 @@
               <a:rPr lang="sl-SI" smtClean="0"/>
               <a:t>24. 11. 2019</a:t>
             </a:fld>
-            <a:endParaRPr lang="sl-SI"/>
+            <a:endParaRPr lang="sl-SI" dirty="0"/>
           </a:p>
         </p:txBody>
       </p:sp>
@@ -4106,7 +4106,7 @@
           <a:bodyPr/>
           <a:lstStyle/>
           <a:p>
-            <a:endParaRPr lang="sl-SI"/>
+            <a:endParaRPr lang="sl-SI" dirty="0"/>
           </a:p>
         </p:txBody>
       </p:sp>
@@ -4129,7 +4129,7 @@
               <a:rPr lang="sl-SI" smtClean="0"/>
               <a:t>‹#›</a:t>
             </a:fld>
-            <a:endParaRPr lang="sl-SI"/>
+            <a:endParaRPr lang="sl-SI" dirty="0"/>
           </a:p>
         </p:txBody>
       </p:sp>
@@ -4324,7 +4324,7 @@
               <a:rPr lang="sl-SI" smtClean="0"/>
               <a:t>24. 11. 2019</a:t>
             </a:fld>
-            <a:endParaRPr lang="sl-SI"/>
+            <a:endParaRPr lang="sl-SI" dirty="0"/>
           </a:p>
         </p:txBody>
       </p:sp>
@@ -4343,7 +4343,7 @@
           <a:bodyPr/>
           <a:lstStyle/>
           <a:p>
-            <a:endParaRPr lang="sl-SI"/>
+            <a:endParaRPr lang="sl-SI" dirty="0"/>
           </a:p>
         </p:txBody>
       </p:sp>
@@ -4366,7 +4366,7 @@
               <a:rPr lang="sl-SI" smtClean="0"/>
               <a:t>‹#›</a:t>
             </a:fld>
-            <a:endParaRPr lang="sl-SI"/>
+            <a:endParaRPr lang="sl-SI" dirty="0"/>
           </a:p>
         </p:txBody>
       </p:sp>
@@ -4709,7 +4709,7 @@
               <a:rPr lang="sl-SI" smtClean="0"/>
               <a:t>24. 11. 2019</a:t>
             </a:fld>
-            <a:endParaRPr lang="sl-SI"/>
+            <a:endParaRPr lang="sl-SI" dirty="0"/>
           </a:p>
         </p:txBody>
       </p:sp>
@@ -4728,7 +4728,7 @@
           <a:bodyPr/>
           <a:lstStyle/>
           <a:p>
-            <a:endParaRPr lang="sl-SI"/>
+            <a:endParaRPr lang="sl-SI" dirty="0"/>
           </a:p>
         </p:txBody>
       </p:sp>
@@ -4751,7 +4751,7 @@
               <a:rPr lang="sl-SI" smtClean="0"/>
               <a:t>‹#›</a:t>
             </a:fld>
-            <a:endParaRPr lang="sl-SI"/>
+            <a:endParaRPr lang="sl-SI" dirty="0"/>
           </a:p>
         </p:txBody>
       </p:sp>
@@ -4857,7 +4857,7 @@
               <a:rPr lang="sl-SI" smtClean="0"/>
               <a:t>24. 11. 2019</a:t>
             </a:fld>
-            <a:endParaRPr lang="sl-SI"/>
+            <a:endParaRPr lang="sl-SI" dirty="0"/>
           </a:p>
         </p:txBody>
       </p:sp>
@@ -4876,7 +4876,7 @@
           <a:bodyPr/>
           <a:lstStyle/>
           <a:p>
-            <a:endParaRPr lang="sl-SI"/>
+            <a:endParaRPr lang="sl-SI" dirty="0"/>
           </a:p>
         </p:txBody>
       </p:sp>
@@ -4899,7 +4899,7 @@
               <a:rPr lang="sl-SI" smtClean="0"/>
               <a:t>‹#›</a:t>
             </a:fld>
-            <a:endParaRPr lang="sl-SI"/>
+            <a:endParaRPr lang="sl-SI" dirty="0"/>
           </a:p>
         </p:txBody>
       </p:sp>
@@ -4982,7 +4982,7 @@
               <a:rPr lang="sl-SI" smtClean="0"/>
               <a:t>24. 11. 2019</a:t>
             </a:fld>
-            <a:endParaRPr lang="sl-SI"/>
+            <a:endParaRPr lang="sl-SI" dirty="0"/>
           </a:p>
         </p:txBody>
       </p:sp>
@@ -5001,7 +5001,7 @@
           <a:bodyPr/>
           <a:lstStyle/>
           <a:p>
-            <a:endParaRPr lang="sl-SI"/>
+            <a:endParaRPr lang="sl-SI" dirty="0"/>
           </a:p>
         </p:txBody>
       </p:sp>
@@ -5024,7 +5024,7 @@
               <a:rPr lang="sl-SI" smtClean="0"/>
               <a:t>‹#›</a:t>
             </a:fld>
-            <a:endParaRPr lang="sl-SI"/>
+            <a:endParaRPr lang="sl-SI" dirty="0"/>
           </a:p>
         </p:txBody>
       </p:sp>
@@ -5261,7 +5261,7 @@
               <a:rPr lang="sl-SI" smtClean="0"/>
               <a:t>24. 11. 2019</a:t>
             </a:fld>
-            <a:endParaRPr lang="sl-SI"/>
+            <a:endParaRPr lang="sl-SI" dirty="0"/>
           </a:p>
         </p:txBody>
       </p:sp>
@@ -5280,7 +5280,7 @@
           <a:bodyPr/>
           <a:lstStyle/>
           <a:p>
-            <a:endParaRPr lang="sl-SI"/>
+            <a:endParaRPr lang="sl-SI" dirty="0"/>
           </a:p>
         </p:txBody>
       </p:sp>
@@ -5303,7 +5303,7 @@
               <a:rPr lang="sl-SI" smtClean="0"/>
               <a:t>‹#›</a:t>
             </a:fld>
-            <a:endParaRPr lang="sl-SI"/>
+            <a:endParaRPr lang="sl-SI" dirty="0"/>
           </a:p>
         </p:txBody>
       </p:sp>
@@ -5485,7 +5485,7 @@
           </a:lstStyle>
           <a:p>
             <a:r>
-              <a:rPr lang="sl-SI"/>
+              <a:rPr lang="sl-SI" dirty="0"/>
               <a:t>Kliknite ikono, če želite dodati sliko</a:t>
             </a:r>
             <a:endParaRPr lang="en-US" dirty="0"/>
@@ -5576,7 +5576,7 @@
               <a:rPr lang="sl-SI" smtClean="0"/>
               <a:t>24. 11. 2019</a:t>
             </a:fld>
-            <a:endParaRPr lang="sl-SI"/>
+            <a:endParaRPr lang="sl-SI" dirty="0"/>
           </a:p>
         </p:txBody>
       </p:sp>
@@ -5595,7 +5595,7 @@
           <a:bodyPr/>
           <a:lstStyle/>
           <a:p>
-            <a:endParaRPr lang="sl-SI"/>
+            <a:endParaRPr lang="sl-SI" dirty="0"/>
           </a:p>
         </p:txBody>
       </p:sp>
@@ -5618,7 +5618,7 @@
               <a:rPr lang="sl-SI" smtClean="0"/>
               <a:t>‹#›</a:t>
             </a:fld>
-            <a:endParaRPr lang="sl-SI"/>
+            <a:endParaRPr lang="sl-SI" dirty="0"/>
           </a:p>
         </p:txBody>
       </p:sp>
@@ -5829,7 +5829,7 @@
               <a:rPr lang="sl-SI" smtClean="0"/>
               <a:t>24. 11. 2019</a:t>
             </a:fld>
-            <a:endParaRPr lang="sl-SI"/>
+            <a:endParaRPr lang="sl-SI" dirty="0"/>
           </a:p>
         </p:txBody>
       </p:sp>
@@ -5864,7 +5864,7 @@
             </a:lvl1pPr>
           </a:lstStyle>
           <a:p>
-            <a:endParaRPr lang="sl-SI"/>
+            <a:endParaRPr lang="sl-SI" dirty="0"/>
           </a:p>
         </p:txBody>
       </p:sp>
@@ -5903,7 +5903,7 @@
               <a:rPr lang="sl-SI" smtClean="0"/>
               <a:t>‹#›</a:t>
             </a:fld>
-            <a:endParaRPr lang="sl-SI"/>
+            <a:endParaRPr lang="sl-SI" dirty="0"/>
           </a:p>
         </p:txBody>
       </p:sp>
@@ -6413,12 +6413,12 @@
         <p:spPr/>
         <p:txBody>
           <a:bodyPr>
-            <a:normAutofit fontScale="85000" lnSpcReduction="10000"/>
+            <a:normAutofit fontScale="92500" lnSpcReduction="10000"/>
           </a:bodyPr>
           <a:lstStyle/>
           <a:p>
             <a:r>
-              <a:rPr lang="en-US" u="sng" dirty="0" err="1"/>
+              <a:rPr lang="sl-SI" dirty="0"/>
               <a:t>Implementacije</a:t>
             </a:r>
             <a:r>
@@ -6426,7 +6426,7 @@
               <a:t> </a:t>
             </a:r>
             <a:r>
-              <a:rPr lang="en-US" u="sng" dirty="0" err="1"/>
+              <a:rPr lang="sl-SI" dirty="0"/>
               <a:t>delujejo</a:t>
             </a:r>
             <a:r>
@@ -6434,228 +6434,98 @@
               <a:t> </a:t>
             </a:r>
             <a:r>
-              <a:rPr lang="en-US" u="sng" dirty="0" err="1"/>
+              <a:rPr lang="sl-SI" dirty="0"/>
               <a:t>pravilno</a:t>
             </a:r>
-            <a:r>
-              <a:rPr lang="en-US" dirty="0"/>
-              <a:t>. </a:t>
-            </a:r>
-          </a:p>
-          <a:p>
-            <a:r>
-              <a:rPr lang="en-US" dirty="0"/>
-              <a:t>1. </a:t>
-            </a:r>
-            <a:r>
-              <a:rPr lang="en-US" dirty="0" err="1"/>
-              <a:t>vir</a:t>
-            </a:r>
-            <a:r>
-              <a:rPr lang="en-US" dirty="0"/>
-              <a:t>: 1 </a:t>
-            </a:r>
-            <a:r>
-              <a:rPr lang="en-US" dirty="0" err="1"/>
-              <a:t>urin</a:t>
+          </a:p>
+          <a:p>
+            <a:r>
+              <a:rPr lang="sl-SI" dirty="0"/>
+              <a:t>Prvi vir</a:t>
+            </a:r>
+          </a:p>
+          <a:p>
+            <a:pPr lvl="1"/>
+            <a:r>
+              <a:rPr lang="sl-SI" dirty="0"/>
+              <a:t>Preprostejše urine cone</a:t>
+            </a:r>
+          </a:p>
+          <a:p>
+            <a:pPr lvl="1"/>
+            <a:r>
+              <a:rPr lang="sl-SI" dirty="0"/>
+              <a:t>Nestandardni zamiki</a:t>
+            </a:r>
+          </a:p>
+          <a:p>
+            <a:pPr lvl="1"/>
+            <a:r>
+              <a:rPr lang="sl-SI" dirty="0"/>
+              <a:t>Zasukane celice</a:t>
+            </a:r>
+          </a:p>
+          <a:p>
+            <a:r>
+              <a:rPr lang="sl-SI" dirty="0"/>
+              <a:t>Drugi vir:</a:t>
+            </a:r>
+          </a:p>
+          <a:p>
+            <a:pPr lvl="1"/>
+            <a:r>
+              <a:rPr lang="sl-SI" dirty="0"/>
+              <a:t>Manj površine</a:t>
+            </a:r>
+          </a:p>
+          <a:p>
+            <a:pPr lvl="1"/>
+            <a:r>
+              <a:rPr lang="sl-SI" dirty="0"/>
+              <a:t>Podobne</a:t>
             </a:r>
             <a:r>
               <a:rPr lang="en-US" dirty="0"/>
               <a:t> </a:t>
             </a:r>
             <a:r>
-              <a:rPr lang="en-US" dirty="0" err="1"/>
-              <a:t>cikel</a:t>
-            </a:r>
-            <a:r>
-              <a:rPr lang="en-US" dirty="0"/>
-              <a:t> (4 faze)</a:t>
+              <a:rPr lang="sl-SI" dirty="0"/>
+              <a:t>strukture</a:t>
             </a:r>
           </a:p>
           <a:p>
             <a:pPr lvl="1"/>
             <a:r>
-              <a:rPr lang="en-US" dirty="0"/>
-              <a:t>Max 1,25 urine </a:t>
-            </a:r>
-            <a:r>
-              <a:rPr lang="en-US" dirty="0" err="1"/>
-              <a:t>periode</a:t>
-            </a:r>
-            <a:endParaRPr lang="en-US" dirty="0"/>
-          </a:p>
-          <a:p>
-            <a:pPr lvl="1"/>
-            <a:r>
-              <a:rPr lang="en-US" dirty="0" err="1"/>
-              <a:t>Preproste</a:t>
-            </a:r>
-            <a:r>
-              <a:rPr lang="en-US" dirty="0"/>
-              <a:t> urine cone</a:t>
-            </a:r>
-          </a:p>
-          <a:p>
-            <a:pPr lvl="1"/>
-            <a:r>
-              <a:rPr lang="en-US" dirty="0" err="1"/>
-              <a:t>Nestandardni</a:t>
+              <a:rPr lang="sl-SI" dirty="0"/>
+              <a:t>Kompleksnejše</a:t>
             </a:r>
             <a:r>
               <a:rPr lang="en-US" dirty="0"/>
               <a:t> </a:t>
             </a:r>
             <a:r>
-              <a:rPr lang="en-US" dirty="0" err="1"/>
-              <a:t>zamiki</a:t>
-            </a:r>
-            <a:r>
-              <a:rPr lang="en-US" dirty="0"/>
-              <a:t> in </a:t>
-            </a:r>
-            <a:r>
-              <a:rPr lang="en-US" dirty="0" err="1"/>
-              <a:t>zasukane</a:t>
+              <a:rPr lang="sl-SI" dirty="0"/>
+              <a:t>oblike</a:t>
             </a:r>
             <a:r>
               <a:rPr lang="en-US" dirty="0"/>
               <a:t> </a:t>
             </a:r>
             <a:r>
-              <a:rPr lang="en-US" dirty="0" err="1"/>
-              <a:t>celice</a:t>
-            </a:r>
-            <a:endParaRPr lang="en-US" dirty="0"/>
-          </a:p>
-          <a:p>
+              <a:rPr lang="sl-SI" dirty="0"/>
+              <a:t>urinih</a:t>
+            </a:r>
             <a:r>
               <a:rPr lang="en-US" dirty="0"/>
-              <a:t>2. </a:t>
-            </a:r>
-            <a:r>
-              <a:rPr lang="en-US" dirty="0" err="1"/>
-              <a:t>vir</a:t>
-            </a:r>
-            <a:r>
-              <a:rPr lang="en-US" dirty="0"/>
-              <a:t>: 5-6 </a:t>
-            </a:r>
-            <a:r>
-              <a:rPr lang="en-US" dirty="0" err="1"/>
-              <a:t>urinih</a:t>
-            </a:r>
-            <a:r>
-              <a:rPr lang="en-US" dirty="0"/>
-              <a:t> </a:t>
-            </a:r>
-            <a:r>
-              <a:rPr lang="en-US" dirty="0" err="1"/>
-              <a:t>faz</a:t>
-            </a:r>
-            <a:r>
-              <a:rPr lang="en-US" dirty="0"/>
-              <a:t>, </a:t>
-            </a:r>
-            <a:r>
-              <a:rPr lang="en-US" dirty="0" err="1"/>
-              <a:t>manj</a:t>
-            </a:r>
-            <a:r>
-              <a:rPr lang="en-US" dirty="0"/>
-              <a:t> </a:t>
-            </a:r>
-            <a:r>
-              <a:rPr lang="en-US" dirty="0" err="1"/>
-              <a:t>prostora</a:t>
-            </a:r>
-            <a:endParaRPr lang="en-US" dirty="0"/>
-          </a:p>
-          <a:p>
-            <a:pPr lvl="1"/>
-            <a:r>
-              <a:rPr lang="en-US" dirty="0"/>
-              <a:t>Max. 1,5 urine </a:t>
-            </a:r>
-            <a:r>
-              <a:rPr lang="en-US" dirty="0" err="1"/>
-              <a:t>periode</a:t>
-            </a:r>
-            <a:endParaRPr lang="en-US" dirty="0"/>
-          </a:p>
-          <a:p>
-            <a:pPr lvl="1"/>
-            <a:r>
-              <a:rPr lang="en-US" dirty="0" err="1"/>
-              <a:t>Manjša</a:t>
-            </a:r>
-            <a:r>
-              <a:rPr lang="en-US" dirty="0"/>
-              <a:t> </a:t>
-            </a:r>
-            <a:r>
-              <a:rPr lang="en-US" dirty="0" err="1"/>
-              <a:t>površina</a:t>
-            </a:r>
-            <a:endParaRPr lang="en-US" dirty="0"/>
-          </a:p>
-          <a:p>
-            <a:pPr lvl="1"/>
-            <a:r>
-              <a:rPr lang="en-US" dirty="0" err="1"/>
-              <a:t>Kompleksnejše</a:t>
-            </a:r>
-            <a:r>
-              <a:rPr lang="en-US" dirty="0"/>
-              <a:t> </a:t>
-            </a:r>
-            <a:r>
-              <a:rPr lang="en-US" dirty="0" err="1"/>
-              <a:t>oblike</a:t>
-            </a:r>
-            <a:r>
-              <a:rPr lang="en-US" dirty="0"/>
-              <a:t> </a:t>
-            </a:r>
-            <a:r>
-              <a:rPr lang="en-US" dirty="0" err="1"/>
-              <a:t>urinih</a:t>
-            </a:r>
-            <a:r>
-              <a:rPr lang="en-US"/>
               <a:t> con</a:t>
             </a:r>
-            <a:endParaRPr lang="en-US" dirty="0"/>
-          </a:p>
-          <a:p>
-            <a:pPr lvl="1"/>
-            <a:r>
-              <a:rPr lang="en-US" dirty="0" err="1"/>
-              <a:t>Podobne</a:t>
-            </a:r>
-            <a:r>
-              <a:rPr lang="en-US" dirty="0"/>
-              <a:t> structure za </a:t>
-            </a:r>
-            <a:r>
-              <a:rPr lang="en-US" dirty="0" err="1"/>
-              <a:t>vse</a:t>
-            </a:r>
-            <a:r>
-              <a:rPr lang="en-US" dirty="0"/>
-              <a:t> </a:t>
-            </a:r>
-            <a:r>
-              <a:rPr lang="en-US" dirty="0" err="1"/>
-              <a:t>celice</a:t>
-            </a:r>
-            <a:endParaRPr lang="en-US" dirty="0"/>
           </a:p>
         </p:txBody>
       </p:sp>
     </p:spTree>
     <p:extLst>
       <p:ext uri="{BB962C8B-B14F-4D97-AF65-F5344CB8AC3E}">
-        <p14:creationId xmlns:p14="http://schemas.microsoft.com/office/powerpoint/2010/main" val="2801765423"/>
+        <p14:creationId xmlns:p14="http://schemas.microsoft.com/office/powerpoint/2010/main" val="2603155386"/>
       </p:ext>
     </p:extLst>
   </p:cSld>
@@ -6819,7 +6689,7 @@
           <a:graphicData uri="http://schemas.openxmlformats.org/presentationml/2006/ole">
             <mc:AlternateContent xmlns:mc="http://schemas.openxmlformats.org/markup-compatibility/2006">
               <mc:Choice xmlns:v="urn:schemas-microsoft-com:vml" Requires="v">
-                <p:oleObj spid="_x0000_s1034" name="Acrobat Document" r:id="rId3" imgW="5400359" imgH="5400587" progId="AcroExch.Document.DC">
+                <p:oleObj spid="_x0000_s1036" name="Acrobat Document" r:id="rId3" imgW="5400359" imgH="5400587" progId="AcroExch.Document.DC">
                   <p:embed/>
                 </p:oleObj>
               </mc:Choice>
